--- a/Supercell_Cantaloupe.pptx
+++ b/Supercell_Cantaloupe.pptx
@@ -618,7 +618,7 @@
           <a:p>
             <a:r>
               <a:rPr lang="en-US" dirty="0"/>
-              <a:t>We provide them different action buttons and give them contextualized visual information at hand helping them to make a quick but profound decision.</a:t>
+              <a:t>We provide them with visualization that allow a quick overlook how many bad behaviors were and give them contextualized visual information at hand helping them to make a quick but profound decision.</a:t>
             </a:r>
           </a:p>
           <a:p>
@@ -1424,6 +1424,12 @@
           <a:p>
             <a:r>
               <a:rPr lang="en-US" dirty="0"/>
+              <a:t>These interactions were generated for all chats for one day.</a:t>
+            </a:r>
+          </a:p>
+          <a:p>
+            <a:r>
+              <a:rPr lang="en-US" dirty="0"/>
               <a:t>Using Apache Spark framework, we mined the most frequent sequences in the data, and want to show you two examples of our findings.</a:t>
             </a:r>
           </a:p>
@@ -1688,7 +1694,7 @@
           <a:p>
             <a:r>
               <a:rPr lang="en-US" dirty="0"/>
-              <a:t>We see great potential in employing this system as a team of AI and human.</a:t>
+              <a:t>We see great potential in employing this very flexible pattern matching system as a team of AI and human.</a:t>
             </a:r>
           </a:p>
           <a:p>
@@ -5286,10 +5292,10 @@
       </p:grpSpPr>
       <p:pic>
         <p:nvPicPr>
-          <p:cNvPr id="4" name="Grafik 3">
-            <a:extLst>
-              <a:ext uri="{FF2B5EF4-FFF2-40B4-BE49-F238E27FC236}">
-                <a16:creationId xmlns:a16="http://schemas.microsoft.com/office/drawing/2014/main" id="{12A6ED4B-1F00-7AB4-6571-961E30573562}"/>
+          <p:cNvPr id="5" name="Grafik 4">
+            <a:extLst>
+              <a:ext uri="{FF2B5EF4-FFF2-40B4-BE49-F238E27FC236}">
+                <a16:creationId xmlns:a16="http://schemas.microsoft.com/office/drawing/2014/main" id="{59DC0027-1E1A-91F2-9DB3-250AF90DD3B6}"/>
               </a:ext>
             </a:extLst>
           </p:cNvPr>
@@ -5300,6 +5306,35 @@
         </p:nvPicPr>
         <p:blipFill>
           <a:blip r:embed="rId3"/>
+          <a:srcRect/>
+          <a:stretch/>
+        </p:blipFill>
+        <p:spPr>
+          <a:xfrm>
+            <a:off x="2865221" y="1811618"/>
+            <a:ext cx="4579749" cy="1600547"/>
+          </a:xfrm>
+          <a:prstGeom prst="rect">
+            <a:avLst/>
+          </a:prstGeom>
+        </p:spPr>
+      </p:pic>
+      <p:pic>
+        <p:nvPicPr>
+          <p:cNvPr id="4" name="Grafik 3">
+            <a:extLst>
+              <a:ext uri="{FF2B5EF4-FFF2-40B4-BE49-F238E27FC236}">
+                <a16:creationId xmlns:a16="http://schemas.microsoft.com/office/drawing/2014/main" id="{12A6ED4B-1F00-7AB4-6571-961E30573562}"/>
+              </a:ext>
+            </a:extLst>
+          </p:cNvPr>
+          <p:cNvPicPr>
+            <a:picLocks noChangeAspect="1"/>
+          </p:cNvPicPr>
+          <p:nvPr/>
+        </p:nvPicPr>
+        <p:blipFill>
+          <a:blip r:embed="rId4"/>
           <a:stretch>
             <a:fillRect/>
           </a:stretch>
@@ -5308,35 +5343,6 @@
           <a:xfrm>
             <a:off x="7827853" y="3030776"/>
             <a:ext cx="3525947" cy="3525947"/>
-          </a:xfrm>
-          <a:prstGeom prst="rect">
-            <a:avLst/>
-          </a:prstGeom>
-        </p:spPr>
-      </p:pic>
-      <p:pic>
-        <p:nvPicPr>
-          <p:cNvPr id="13" name="Grafik 12">
-            <a:extLst>
-              <a:ext uri="{FF2B5EF4-FFF2-40B4-BE49-F238E27FC236}">
-                <a16:creationId xmlns:a16="http://schemas.microsoft.com/office/drawing/2014/main" id="{9409F0EB-6535-E960-2942-C2B8A09BB682}"/>
-              </a:ext>
-            </a:extLst>
-          </p:cNvPr>
-          <p:cNvPicPr>
-            <a:picLocks noChangeAspect="1"/>
-          </p:cNvPicPr>
-          <p:nvPr/>
-        </p:nvPicPr>
-        <p:blipFill rotWithShape="1">
-          <a:blip r:embed="rId4"/>
-          <a:srcRect b="50000"/>
-          <a:stretch/>
-        </p:blipFill>
-        <p:spPr>
-          <a:xfrm>
-            <a:off x="619539" y="1811762"/>
-            <a:ext cx="7772400" cy="1617238"/>
           </a:xfrm>
           <a:prstGeom prst="rect">
             <a:avLst/>
@@ -5385,8 +5391,8 @@
         </p:nvSpPr>
         <p:spPr>
           <a:xfrm>
-            <a:off x="2670691" y="2209987"/>
-            <a:ext cx="1956656" cy="820789"/>
+            <a:off x="4044511" y="2655984"/>
+            <a:ext cx="1450000" cy="561829"/>
           </a:xfrm>
           <a:prstGeom prst="ellipse">
             <a:avLst/>
@@ -5439,7 +5445,7 @@
         </p:nvSpPr>
         <p:spPr>
           <a:xfrm>
-            <a:off x="4960795" y="1646818"/>
+            <a:off x="5918473" y="2227885"/>
             <a:ext cx="2438400" cy="820788"/>
           </a:xfrm>
           <a:prstGeom prst="borderCallout1">
@@ -5508,16 +5514,15 @@
           </p:cNvPicPr>
           <p:nvPr/>
         </p:nvPicPr>
-        <p:blipFill>
+        <p:blipFill rotWithShape="1">
           <a:blip r:embed="rId5"/>
-          <a:stretch>
-            <a:fillRect/>
-          </a:stretch>
+          <a:srcRect t="15243" b="1"/>
+          <a:stretch/>
         </p:blipFill>
         <p:spPr>
           <a:xfrm>
-            <a:off x="1573014" y="3378638"/>
-            <a:ext cx="5564659" cy="2942801"/>
+            <a:off x="1573014" y="3827225"/>
+            <a:ext cx="5564659" cy="2494214"/>
           </a:xfrm>
           <a:prstGeom prst="rect">
             <a:avLst/>
@@ -5545,8 +5550,8 @@
         </p:nvSpPr>
         <p:spPr>
           <a:xfrm>
-            <a:off x="7732643" y="1690688"/>
-            <a:ext cx="659296" cy="1194671"/>
+            <a:off x="2775274" y="1945121"/>
+            <a:ext cx="1359184" cy="978829"/>
           </a:xfrm>
           <a:prstGeom prst="ellipse">
             <a:avLst/>
@@ -5599,15 +5604,15 @@
         </p:nvSpPr>
         <p:spPr>
           <a:xfrm>
-            <a:off x="4915095" y="3087145"/>
+            <a:off x="426821" y="2923950"/>
             <a:ext cx="2438400" cy="820788"/>
           </a:xfrm>
           <a:prstGeom prst="borderCallout1">
             <a:avLst>
               <a:gd name="adj1" fmla="val -8697"/>
               <a:gd name="adj2" fmla="val 93298"/>
-              <a:gd name="adj3" fmla="val -43404"/>
-              <a:gd name="adj4" fmla="val 113235"/>
+              <a:gd name="adj3" fmla="val -40584"/>
+              <a:gd name="adj4" fmla="val 98045"/>
             </a:avLst>
           </a:prstGeom>
           <a:solidFill>
@@ -5642,14 +5647,14 @@
             <a:pPr algn="ctr"/>
             <a:r>
               <a:rPr lang="en-US" dirty="0"/>
-              <a:t>Action</a:t>
+              <a:t>Summarizing</a:t>
             </a:r>
           </a:p>
           <a:p>
             <a:pPr algn="ctr"/>
             <a:r>
               <a:rPr lang="en-US" dirty="0"/>
-              <a:t>Buttons</a:t>
+              <a:t>Visualization</a:t>
             </a:r>
           </a:p>
         </p:txBody>
@@ -5765,7 +5770,7 @@
             <a:pPr algn="ctr"/>
             <a:r>
               <a:rPr lang="en-US" dirty="0"/>
-              <a:t>Contextualized Visualization</a:t>
+              <a:t>Augmented Chat Display</a:t>
             </a:r>
           </a:p>
         </p:txBody>
@@ -6142,7 +6147,7 @@
         </p:blipFill>
         <p:spPr>
           <a:xfrm>
-            <a:off x="5344783" y="0"/>
+            <a:off x="5344783" y="-340682"/>
             <a:ext cx="6640183" cy="6640183"/>
           </a:xfrm>
           <a:prstGeom prst="rect">
@@ -6164,35 +6169,28 @@
           </p:cNvPicPr>
           <p:nvPr/>
         </p:nvPicPr>
-        <p:blipFill>
+        <p:blipFill rotWithShape="1">
           <a:blip r:embed="rId4"/>
-          <a:stretch>
-            <a:fillRect/>
-          </a:stretch>
+          <a:srcRect b="1515"/>
+          <a:stretch/>
         </p:blipFill>
         <p:spPr>
           <a:xfrm>
-            <a:off x="345056" y="602641"/>
-            <a:ext cx="5452882" cy="15846639"/>
+            <a:off x="345056" y="1134027"/>
+            <a:ext cx="5452882" cy="1876802"/>
           </a:xfrm>
           <a:prstGeom prst="rect">
             <a:avLst/>
           </a:prstGeom>
-          <a:effectLst>
-            <a:outerShdw blurRad="50800" dist="38100" dir="2700000" algn="tl" rotWithShape="0">
-              <a:prstClr val="black">
-                <a:alpha val="40000"/>
-              </a:prstClr>
-            </a:outerShdw>
-          </a:effectLst>
+          <a:effectLst/>
         </p:spPr>
       </p:pic>
       <p:pic>
         <p:nvPicPr>
-          <p:cNvPr id="10" name="Grafik 9">
-            <a:extLst>
-              <a:ext uri="{FF2B5EF4-FFF2-40B4-BE49-F238E27FC236}">
-                <a16:creationId xmlns:a16="http://schemas.microsoft.com/office/drawing/2014/main" id="{AE7E3421-A976-C7C5-2920-C061A16BE6C8}"/>
+          <p:cNvPr id="4" name="Grafik 3">
+            <a:extLst>
+              <a:ext uri="{FF2B5EF4-FFF2-40B4-BE49-F238E27FC236}">
+                <a16:creationId xmlns:a16="http://schemas.microsoft.com/office/drawing/2014/main" id="{6A8DF3A3-3084-A9FC-097D-6A28220E3737}"/>
               </a:ext>
             </a:extLst>
           </p:cNvPr>
@@ -6202,25 +6200,18 @@
           <p:nvPr/>
         </p:nvPicPr>
         <p:blipFill rotWithShape="1">
-          <a:blip r:embed="rId4"/>
-          <a:srcRect t="37282" b="-6010"/>
+          <a:blip r:embed="rId5"/>
+          <a:srcRect b="76781"/>
           <a:stretch/>
         </p:blipFill>
         <p:spPr>
           <a:xfrm>
-            <a:off x="345056" y="3320091"/>
-            <a:ext cx="5452882" cy="10890994"/>
+            <a:off x="345056" y="2962875"/>
+            <a:ext cx="5291469" cy="4184580"/>
           </a:xfrm>
           <a:prstGeom prst="rect">
             <a:avLst/>
           </a:prstGeom>
-          <a:effectLst>
-            <a:outerShdw blurRad="50800" dist="38100" dir="2700000" algn="tl" rotWithShape="0">
-              <a:prstClr val="black">
-                <a:alpha val="40000"/>
-              </a:prstClr>
-            </a:outerShdw>
-          </a:effectLst>
         </p:spPr>
       </p:pic>
       <p:sp>
@@ -9591,7 +9582,7 @@
         <p:spPr>
           <a:xfrm>
             <a:off x="1655618" y="4827494"/>
-            <a:ext cx="4440382" cy="646331"/>
+            <a:ext cx="4440382" cy="923330"/>
           </a:xfrm>
           <a:prstGeom prst="rect">
             <a:avLst/>
@@ -9606,13 +9597,27 @@
           <a:p>
             <a:r>
               <a:rPr lang="en-US" dirty="0"/>
-              <a:t>Excel in Latency and Throughput</a:t>
-            </a:r>
-          </a:p>
-          <a:p>
+              <a:t>Excel in</a:t>
+            </a:r>
+          </a:p>
+          <a:p>
+            <a:pPr marL="285750" indent="-285750">
+              <a:buFont typeface="Arial" panose="020B0604020202020204" pitchFamily="34" charset="0"/>
+              <a:buChar char="•"/>
+            </a:pPr>
             <a:r>
               <a:rPr lang="en-US" dirty="0"/>
-              <a:t>on huge datasets</a:t>
+              <a:t>latency</a:t>
+            </a:r>
+          </a:p>
+          <a:p>
+            <a:pPr marL="285750" indent="-285750">
+              <a:buFont typeface="Arial" panose="020B0604020202020204" pitchFamily="34" charset="0"/>
+              <a:buChar char="•"/>
+            </a:pPr>
+            <a:r>
+              <a:rPr lang="en-US" dirty="0"/>
+              <a:t>throughput on huge datasets</a:t>
             </a:r>
           </a:p>
         </p:txBody>
@@ -9632,7 +9637,7 @@
         <p:spPr>
           <a:xfrm>
             <a:off x="7158670" y="4827494"/>
-            <a:ext cx="4440382" cy="646331"/>
+            <a:ext cx="4440382" cy="923330"/>
           </a:xfrm>
           <a:prstGeom prst="rect">
             <a:avLst/>
@@ -9647,7 +9652,27 @@
           <a:p>
             <a:r>
               <a:rPr lang="en-US" dirty="0"/>
-              <a:t>Excels in emotional intelligence and including contextual information</a:t>
+              <a:t>Excels in</a:t>
+            </a:r>
+          </a:p>
+          <a:p>
+            <a:pPr marL="285750" indent="-285750">
+              <a:buFont typeface="Arial" panose="020B0604020202020204" pitchFamily="34" charset="0"/>
+              <a:buChar char="•"/>
+            </a:pPr>
+            <a:r>
+              <a:rPr lang="en-US" dirty="0"/>
+              <a:t>emotional intelligence</a:t>
+            </a:r>
+          </a:p>
+          <a:p>
+            <a:pPr marL="285750" indent="-285750">
+              <a:buFont typeface="Arial" panose="020B0604020202020204" pitchFamily="34" charset="0"/>
+              <a:buChar char="•"/>
+            </a:pPr>
+            <a:r>
+              <a:rPr lang="en-US" dirty="0"/>
+              <a:t>including contextual information</a:t>
             </a:r>
           </a:p>
         </p:txBody>

--- a/Supercell_Cantaloupe.pptx
+++ b/Supercell_Cantaloupe.pptx
@@ -1721,7 +1721,7 @@
           <a:p>
             <a:r>
               <a:rPr lang="en-US" dirty="0"/>
-              <a:t>However, the world is not always black and white. Therefore, while we might want to automate some patterns, humans are still better to make a good decision on the next actions.</a:t>
+              <a:t>However, the world is not always black and white. Therefore, while we might want to automate some patterns, where humans are still better to make a good decision on the next actions.</a:t>
             </a:r>
           </a:p>
           <a:p>
@@ -5311,12 +5311,19 @@
         </p:blipFill>
         <p:spPr>
           <a:xfrm>
-            <a:off x="2865221" y="1811618"/>
-            <a:ext cx="4579749" cy="1600547"/>
+            <a:off x="2910207" y="1441084"/>
+            <a:ext cx="4579749" cy="2244186"/>
           </a:xfrm>
           <a:prstGeom prst="rect">
             <a:avLst/>
           </a:prstGeom>
+          <a:effectLst>
+            <a:outerShdw blurRad="50800" dist="38100" dir="2700000" algn="tl" rotWithShape="0">
+              <a:prstClr val="black">
+                <a:alpha val="40000"/>
+              </a:prstClr>
+            </a:outerShdw>
+          </a:effectLst>
         </p:spPr>
       </p:pic>
       <p:pic>
@@ -5391,8 +5398,8 @@
         </p:nvSpPr>
         <p:spPr>
           <a:xfrm>
-            <a:off x="4044511" y="2655984"/>
-            <a:ext cx="1450000" cy="561829"/>
+            <a:off x="3974273" y="2936792"/>
+            <a:ext cx="1450000" cy="528157"/>
           </a:xfrm>
           <a:prstGeom prst="ellipse">
             <a:avLst/>
@@ -5445,15 +5452,15 @@
         </p:nvSpPr>
         <p:spPr>
           <a:xfrm>
-            <a:off x="5918473" y="2227885"/>
+            <a:off x="7601595" y="2301942"/>
             <a:ext cx="2438400" cy="820788"/>
           </a:xfrm>
           <a:prstGeom prst="borderCallout1">
             <a:avLst>
               <a:gd name="adj1" fmla="val 18750"/>
               <a:gd name="adj2" fmla="val -5072"/>
-              <a:gd name="adj3" fmla="val 59929"/>
-              <a:gd name="adj4" fmla="val -30787"/>
+              <a:gd name="adj3" fmla="val 94847"/>
+              <a:gd name="adj4" fmla="val -93474"/>
             </a:avLst>
           </a:prstGeom>
           <a:solidFill>
@@ -5538,10 +5545,10 @@
       </p:pic>
       <p:sp>
         <p:nvSpPr>
-          <p:cNvPr id="11" name="Oval 10">
-            <a:extLst>
-              <a:ext uri="{FF2B5EF4-FFF2-40B4-BE49-F238E27FC236}">
-                <a16:creationId xmlns:a16="http://schemas.microsoft.com/office/drawing/2014/main" id="{94D919C9-F848-C048-34E3-DD8E2D9706C9}"/>
+          <p:cNvPr id="12" name="Legende mit Linie (1) 11">
+            <a:extLst>
+              <a:ext uri="{FF2B5EF4-FFF2-40B4-BE49-F238E27FC236}">
+                <a16:creationId xmlns:a16="http://schemas.microsoft.com/office/drawing/2014/main" id="{5EEFBE5E-E5CB-418C-9F54-615A89C9A4B1}"/>
               </a:ext>
             </a:extLst>
           </p:cNvPr>
@@ -5550,69 +5557,15 @@
         </p:nvSpPr>
         <p:spPr>
           <a:xfrm>
-            <a:off x="2775274" y="1945121"/>
-            <a:ext cx="1359184" cy="978829"/>
-          </a:xfrm>
-          <a:prstGeom prst="ellipse">
-            <a:avLst/>
-          </a:prstGeom>
-          <a:noFill/>
-          <a:ln w="76200" cap="flat" cmpd="sng" algn="ctr">
-            <a:solidFill>
-              <a:schemeClr val="accent2"/>
-            </a:solidFill>
-            <a:prstDash val="solid"/>
-            <a:round/>
-            <a:headEnd type="none" w="med" len="med"/>
-            <a:tailEnd type="none" w="med" len="med"/>
-          </a:ln>
-        </p:spPr>
-        <p:style>
-          <a:lnRef idx="0">
-            <a:scrgbClr r="0" g="0" b="0"/>
-          </a:lnRef>
-          <a:fillRef idx="0">
-            <a:scrgbClr r="0" g="0" b="0"/>
-          </a:fillRef>
-          <a:effectRef idx="0">
-            <a:scrgbClr r="0" g="0" b="0"/>
-          </a:effectRef>
-          <a:fontRef idx="minor">
-            <a:schemeClr val="accent2"/>
-          </a:fontRef>
-        </p:style>
-        <p:txBody>
-          <a:bodyPr rtlCol="0" anchor="ctr"/>
-          <a:lstStyle/>
-          <a:p>
-            <a:pPr algn="ctr"/>
-            <a:endParaRPr lang="en-US" dirty="0"/>
-          </a:p>
-        </p:txBody>
-      </p:sp>
-      <p:sp>
-        <p:nvSpPr>
-          <p:cNvPr id="12" name="Legende mit Linie (1) 11">
-            <a:extLst>
-              <a:ext uri="{FF2B5EF4-FFF2-40B4-BE49-F238E27FC236}">
-                <a16:creationId xmlns:a16="http://schemas.microsoft.com/office/drawing/2014/main" id="{5EEFBE5E-E5CB-418C-9F54-615A89C9A4B1}"/>
-              </a:ext>
-            </a:extLst>
-          </p:cNvPr>
-          <p:cNvSpPr/>
-          <p:nvPr/>
-        </p:nvSpPr>
-        <p:spPr>
-          <a:xfrm>
-            <a:off x="426821" y="2923950"/>
+            <a:off x="203544" y="2804124"/>
             <a:ext cx="2438400" cy="820788"/>
           </a:xfrm>
           <a:prstGeom prst="borderCallout1">
             <a:avLst>
               <a:gd name="adj1" fmla="val -8697"/>
               <a:gd name="adj2" fmla="val 93298"/>
-              <a:gd name="adj3" fmla="val -40584"/>
-              <a:gd name="adj4" fmla="val 98045"/>
+              <a:gd name="adj3" fmla="val -42247"/>
+              <a:gd name="adj4" fmla="val 114836"/>
             </a:avLst>
           </a:prstGeom>
           <a:solidFill>
@@ -5654,7 +5607,7 @@
             <a:pPr algn="ctr"/>
             <a:r>
               <a:rPr lang="en-US" dirty="0"/>
-              <a:t>Visualization</a:t>
+              <a:t>Information</a:t>
             </a:r>
           </a:p>
         </p:txBody>

--- a/Supercell_Cantaloupe.pptx
+++ b/Supercell_Cantaloupe.pptx
@@ -12807,13 +12807,8 @@
             </a:pPr>
             <a:r>
               <a:rPr lang="en-US" dirty="0"/>
-              <a:t>Bad </a:t>
-            </a:r>
-            <a:r>
-              <a:rPr lang="en-US" dirty="0" err="1"/>
-              <a:t>Behaviour</a:t>
-            </a:r>
-            <a:endParaRPr lang="en-US" dirty="0"/>
+              <a:t>Bad Behavior</a:t>
+            </a:r>
           </a:p>
           <a:p>
             <a:pPr marL="228600" lvl="1" indent="-228600">
